--- a/presentation_battleships.pptx
+++ b/presentation_battleships.pptx
@@ -111,6 +111,11 @@
       </a:defRPr>
     </a:lvl9pPr>
   </p:defaultTextStyle>
+  <p:extLst>
+    <p:ext uri="{EFAFB233-063F-42B5-8137-9DF3F51BA10A}">
+      <p15:sldGuideLst xmlns:p15="http://schemas.microsoft.com/office/powerpoint/2012/main"/>
+    </p:ext>
+  </p:extLst>
 </p:presentation>
 </file>
 
@@ -4907,7 +4912,7 @@
                 <a:latin typeface="Times New Roman" panose="02020603050405020304" pitchFamily="18" charset="0"/>
                 <a:cs typeface="Times New Roman" panose="02020603050405020304" pitchFamily="18" charset="0"/>
               </a:rPr>
-              <a:t>Transformarea</a:t>
+              <a:t>Encodarea</a:t>
             </a:r>
             <a:r>
               <a:rPr lang="en-US" sz="1800" dirty="0">
@@ -4921,6 +4926,34 @@
                 <a:latin typeface="Times New Roman" panose="02020603050405020304" pitchFamily="18" charset="0"/>
                 <a:cs typeface="Times New Roman" panose="02020603050405020304" pitchFamily="18" charset="0"/>
               </a:rPr>
+              <a:t>și</a:t>
+            </a:r>
+            <a:r>
+              <a:rPr lang="en-US" sz="1800" dirty="0">
+                <a:latin typeface="Times New Roman" panose="02020603050405020304" pitchFamily="18" charset="0"/>
+                <a:cs typeface="Times New Roman" panose="02020603050405020304" pitchFamily="18" charset="0"/>
+              </a:rPr>
+              <a:t> </a:t>
+            </a:r>
+            <a:r>
+              <a:rPr lang="en-US" sz="1800" dirty="0" err="1">
+                <a:latin typeface="Times New Roman" panose="02020603050405020304" pitchFamily="18" charset="0"/>
+                <a:cs typeface="Times New Roman" panose="02020603050405020304" pitchFamily="18" charset="0"/>
+              </a:rPr>
+              <a:t>decodarea</a:t>
+            </a:r>
+            <a:r>
+              <a:rPr lang="en-US" sz="1800" dirty="0">
+                <a:latin typeface="Times New Roman" panose="02020603050405020304" pitchFamily="18" charset="0"/>
+                <a:cs typeface="Times New Roman" panose="02020603050405020304" pitchFamily="18" charset="0"/>
+              </a:rPr>
+              <a:t> </a:t>
+            </a:r>
+            <a:r>
+              <a:rPr lang="en-US" sz="1800" dirty="0" err="1">
+                <a:latin typeface="Times New Roman" panose="02020603050405020304" pitchFamily="18" charset="0"/>
+                <a:cs typeface="Times New Roman" panose="02020603050405020304" pitchFamily="18" charset="0"/>
+              </a:rPr>
               <a:t>obiectelor</a:t>
             </a:r>
             <a:r>
@@ -4951,27 +4984,10 @@
               </a:rPr>
               <a:t>stringuri</a:t>
             </a:r>
-            <a:r>
-              <a:rPr lang="en-US" sz="1800" dirty="0">
-                <a:latin typeface="Times New Roman" panose="02020603050405020304" pitchFamily="18" charset="0"/>
-                <a:cs typeface="Times New Roman" panose="02020603050405020304" pitchFamily="18" charset="0"/>
-              </a:rPr>
-              <a:t> </a:t>
-            </a:r>
-            <a:r>
-              <a:rPr lang="en-US" sz="1800" dirty="0" err="1">
-                <a:latin typeface="Times New Roman" panose="02020603050405020304" pitchFamily="18" charset="0"/>
-                <a:cs typeface="Times New Roman" panose="02020603050405020304" pitchFamily="18" charset="0"/>
-              </a:rPr>
-              <a:t>și</a:t>
-            </a:r>
-            <a:r>
-              <a:rPr lang="en-US" sz="1800" dirty="0">
-                <a:latin typeface="Times New Roman" panose="02020603050405020304" pitchFamily="18" charset="0"/>
-                <a:cs typeface="Times New Roman" panose="02020603050405020304" pitchFamily="18" charset="0"/>
-              </a:rPr>
-              <a:t> invers</a:t>
-            </a:r>
+            <a:endParaRPr lang="en-US" sz="1800" dirty="0">
+              <a:latin typeface="Times New Roman" panose="02020603050405020304" pitchFamily="18" charset="0"/>
+              <a:cs typeface="Times New Roman" panose="02020603050405020304" pitchFamily="18" charset="0"/>
+            </a:endParaRPr>
           </a:p>
           <a:p>
             <a:pPr marL="457200" lvl="1" indent="0">
@@ -4994,93 +5010,6 @@
               </a:rPr>
               <a:t>Struct</a:t>
             </a:r>
-          </a:p>
-          <a:p>
-            <a:pPr lvl="1">
-              <a:buFont typeface="Wingdings" pitchFamily="2" charset="2"/>
-              <a:buChar char="§"/>
-            </a:pPr>
-            <a:r>
-              <a:rPr lang="en-US" sz="1800" dirty="0" err="1">
-                <a:latin typeface="Times New Roman" panose="02020603050405020304" pitchFamily="18" charset="0"/>
-                <a:cs typeface="Times New Roman" panose="02020603050405020304" pitchFamily="18" charset="0"/>
-              </a:rPr>
-              <a:t>Encodarea</a:t>
-            </a:r>
-            <a:r>
-              <a:rPr lang="en-US" sz="1800" dirty="0">
-                <a:latin typeface="Times New Roman" panose="02020603050405020304" pitchFamily="18" charset="0"/>
-                <a:cs typeface="Times New Roman" panose="02020603050405020304" pitchFamily="18" charset="0"/>
-              </a:rPr>
-              <a:t> </a:t>
-            </a:r>
-            <a:r>
-              <a:rPr lang="en-US" sz="1800" dirty="0" err="1">
-                <a:latin typeface="Times New Roman" panose="02020603050405020304" pitchFamily="18" charset="0"/>
-                <a:cs typeface="Times New Roman" panose="02020603050405020304" pitchFamily="18" charset="0"/>
-              </a:rPr>
-              <a:t>și</a:t>
-            </a:r>
-            <a:r>
-              <a:rPr lang="en-US" sz="1800" dirty="0">
-                <a:latin typeface="Times New Roman" panose="02020603050405020304" pitchFamily="18" charset="0"/>
-                <a:cs typeface="Times New Roman" panose="02020603050405020304" pitchFamily="18" charset="0"/>
-              </a:rPr>
-              <a:t> </a:t>
-            </a:r>
-            <a:r>
-              <a:rPr lang="en-US" sz="1800" dirty="0" err="1">
-                <a:latin typeface="Times New Roman" panose="02020603050405020304" pitchFamily="18" charset="0"/>
-                <a:cs typeface="Times New Roman" panose="02020603050405020304" pitchFamily="18" charset="0"/>
-              </a:rPr>
-              <a:t>decodarea</a:t>
-            </a:r>
-            <a:r>
-              <a:rPr lang="en-US" sz="1800" dirty="0">
-                <a:latin typeface="Times New Roman" panose="02020603050405020304" pitchFamily="18" charset="0"/>
-                <a:cs typeface="Times New Roman" panose="02020603050405020304" pitchFamily="18" charset="0"/>
-              </a:rPr>
-              <a:t> </a:t>
-            </a:r>
-            <a:r>
-              <a:rPr lang="en-US" sz="1800" dirty="0" err="1">
-                <a:latin typeface="Times New Roman" panose="02020603050405020304" pitchFamily="18" charset="0"/>
-                <a:cs typeface="Times New Roman" panose="02020603050405020304" pitchFamily="18" charset="0"/>
-              </a:rPr>
-              <a:t>obiectelor</a:t>
-            </a:r>
-            <a:r>
-              <a:rPr lang="en-US" sz="1800" dirty="0">
-                <a:latin typeface="Times New Roman" panose="02020603050405020304" pitchFamily="18" charset="0"/>
-                <a:cs typeface="Times New Roman" panose="02020603050405020304" pitchFamily="18" charset="0"/>
-              </a:rPr>
-              <a:t> </a:t>
-            </a:r>
-            <a:r>
-              <a:rPr lang="en-US" sz="1800" dirty="0" err="1">
-                <a:latin typeface="Times New Roman" panose="02020603050405020304" pitchFamily="18" charset="0"/>
-                <a:cs typeface="Times New Roman" panose="02020603050405020304" pitchFamily="18" charset="0"/>
-              </a:rPr>
-              <a:t>în</a:t>
-            </a:r>
-            <a:r>
-              <a:rPr lang="en-US" sz="1800" dirty="0">
-                <a:latin typeface="Times New Roman" panose="02020603050405020304" pitchFamily="18" charset="0"/>
-                <a:cs typeface="Times New Roman" panose="02020603050405020304" pitchFamily="18" charset="0"/>
-              </a:rPr>
-              <a:t> </a:t>
-            </a:r>
-            <a:r>
-              <a:rPr lang="en-US" sz="1800" dirty="0" err="1">
-                <a:latin typeface="Times New Roman" panose="02020603050405020304" pitchFamily="18" charset="0"/>
-                <a:cs typeface="Times New Roman" panose="02020603050405020304" pitchFamily="18" charset="0"/>
-              </a:rPr>
-              <a:t>stringuri</a:t>
-            </a:r>
-            <a:endParaRPr lang="en-US" sz="1800" dirty="0">
-              <a:latin typeface="Times New Roman" panose="02020603050405020304" pitchFamily="18" charset="0"/>
-              <a:cs typeface="Times New Roman" panose="02020603050405020304" pitchFamily="18" charset="0"/>
-            </a:endParaRPr>
           </a:p>
           <a:p>
             <a:pPr lvl="1">
